--- a/wbs/Martin luther king en gandie en obama.pptx
+++ b/wbs/Martin luther king en gandie en obama.pptx
@@ -351,7 +351,7 @@
             <a:fld id="{B61BEF0D-F0BB-DE4B-95CE-6DB70DBA9567}" type="datetimeFigureOut">
               <a:rPr lang="en-US" dirty="0"/>
               <a:pPr/>
-              <a:t>11/12/2018</a:t>
+              <a:t>11/19/2018</a:t>
             </a:fld>
             <a:endParaRPr lang="en-US" dirty="0"/>
           </a:p>
@@ -682,7 +682,7 @@
             <a:fld id="{B61BEF0D-F0BB-DE4B-95CE-6DB70DBA9567}" type="datetimeFigureOut">
               <a:rPr lang="en-US" dirty="0"/>
               <a:pPr/>
-              <a:t>11/12/2018</a:t>
+              <a:t>11/19/2018</a:t>
             </a:fld>
             <a:endParaRPr lang="en-US" dirty="0"/>
           </a:p>
@@ -957,7 +957,7 @@
             <a:fld id="{B61BEF0D-F0BB-DE4B-95CE-6DB70DBA9567}" type="datetimeFigureOut">
               <a:rPr lang="en-US" dirty="0"/>
               <a:pPr/>
-              <a:t>11/12/2018</a:t>
+              <a:t>11/19/2018</a:t>
             </a:fld>
             <a:endParaRPr lang="en-US" dirty="0"/>
           </a:p>
@@ -1522,7 +1522,7 @@
             <a:fld id="{B61BEF0D-F0BB-DE4B-95CE-6DB70DBA9567}" type="datetimeFigureOut">
               <a:rPr lang="en-US" dirty="0"/>
               <a:pPr/>
-              <a:t>11/12/2018</a:t>
+              <a:t>11/19/2018</a:t>
             </a:fld>
             <a:endParaRPr lang="en-US" dirty="0"/>
           </a:p>
@@ -1797,7 +1797,7 @@
             <a:fld id="{B61BEF0D-F0BB-DE4B-95CE-6DB70DBA9567}" type="datetimeFigureOut">
               <a:rPr lang="en-US" dirty="0"/>
               <a:pPr/>
-              <a:t>11/12/2018</a:t>
+              <a:t>11/19/2018</a:t>
             </a:fld>
             <a:endParaRPr lang="en-US" dirty="0"/>
           </a:p>
@@ -2356,7 +2356,7 @@
             <a:fld id="{B61BEF0D-F0BB-DE4B-95CE-6DB70DBA9567}" type="datetimeFigureOut">
               <a:rPr lang="en-US" dirty="0"/>
               <a:pPr/>
-              <a:t>11/12/2018</a:t>
+              <a:t>11/19/2018</a:t>
             </a:fld>
             <a:endParaRPr lang="en-US" dirty="0"/>
           </a:p>
@@ -2680,7 +2680,7 @@
             <a:fld id="{B61BEF0D-F0BB-DE4B-95CE-6DB70DBA9567}" type="datetimeFigureOut">
               <a:rPr lang="en-US" dirty="0"/>
               <a:pPr/>
-              <a:t>11/12/2018</a:t>
+              <a:t>11/19/2018</a:t>
             </a:fld>
             <a:endParaRPr lang="en-US" dirty="0"/>
           </a:p>
@@ -2882,7 +2882,7 @@
             <a:fld id="{B61BEF0D-F0BB-DE4B-95CE-6DB70DBA9567}" type="datetimeFigureOut">
               <a:rPr lang="en-US" dirty="0"/>
               <a:pPr/>
-              <a:t>11/12/2018</a:t>
+              <a:t>11/19/2018</a:t>
             </a:fld>
             <a:endParaRPr lang="en-US" dirty="0"/>
           </a:p>
@@ -3089,7 +3089,7 @@
             <a:fld id="{B61BEF0D-F0BB-DE4B-95CE-6DB70DBA9567}" type="datetimeFigureOut">
               <a:rPr lang="en-US" dirty="0"/>
               <a:pPr/>
-              <a:t>11/12/2018</a:t>
+              <a:t>11/19/2018</a:t>
             </a:fld>
             <a:endParaRPr lang="en-US" dirty="0"/>
           </a:p>
@@ -3286,7 +3286,7 @@
             <a:fld id="{B61BEF0D-F0BB-DE4B-95CE-6DB70DBA9567}" type="datetimeFigureOut">
               <a:rPr lang="en-US" dirty="0"/>
               <a:pPr/>
-              <a:t>11/12/2018</a:t>
+              <a:t>11/19/2018</a:t>
             </a:fld>
             <a:endParaRPr lang="en-US" dirty="0"/>
           </a:p>
@@ -3559,7 +3559,7 @@
             <a:fld id="{B61BEF0D-F0BB-DE4B-95CE-6DB70DBA9567}" type="datetimeFigureOut">
               <a:rPr lang="en-US" dirty="0"/>
               <a:pPr/>
-              <a:t>11/12/2018</a:t>
+              <a:t>11/19/2018</a:t>
             </a:fld>
             <a:endParaRPr lang="en-US" dirty="0"/>
           </a:p>
@@ -3822,7 +3822,7 @@
             <a:fld id="{B61BEF0D-F0BB-DE4B-95CE-6DB70DBA9567}" type="datetimeFigureOut">
               <a:rPr lang="en-US" dirty="0"/>
               <a:pPr/>
-              <a:t>11/12/2018</a:t>
+              <a:t>11/19/2018</a:t>
             </a:fld>
             <a:endParaRPr lang="en-US" dirty="0"/>
           </a:p>
@@ -4193,7 +4193,7 @@
             <a:fld id="{B61BEF0D-F0BB-DE4B-95CE-6DB70DBA9567}" type="datetimeFigureOut">
               <a:rPr lang="en-US" dirty="0"/>
               <a:pPr/>
-              <a:t>11/12/2018</a:t>
+              <a:t>11/19/2018</a:t>
             </a:fld>
             <a:endParaRPr lang="en-US" dirty="0"/>
           </a:p>
@@ -4338,7 +4338,7 @@
             <a:fld id="{B61BEF0D-F0BB-DE4B-95CE-6DB70DBA9567}" type="datetimeFigureOut">
               <a:rPr lang="en-US" dirty="0"/>
               <a:pPr/>
-              <a:t>11/12/2018</a:t>
+              <a:t>11/19/2018</a:t>
             </a:fld>
             <a:endParaRPr lang="en-US" dirty="0"/>
           </a:p>
@@ -4460,7 +4460,7 @@
             <a:fld id="{B61BEF0D-F0BB-DE4B-95CE-6DB70DBA9567}" type="datetimeFigureOut">
               <a:rPr lang="en-US" dirty="0"/>
               <a:pPr/>
-              <a:t>11/12/2018</a:t>
+              <a:t>11/19/2018</a:t>
             </a:fld>
             <a:endParaRPr lang="en-US" dirty="0"/>
           </a:p>
@@ -4742,7 +4742,7 @@
             <a:fld id="{B61BEF0D-F0BB-DE4B-95CE-6DB70DBA9567}" type="datetimeFigureOut">
               <a:rPr lang="en-US" dirty="0"/>
               <a:pPr/>
-              <a:t>11/12/2018</a:t>
+              <a:t>11/19/2018</a:t>
             </a:fld>
             <a:endParaRPr lang="en-US" dirty="0"/>
           </a:p>
@@ -5063,7 +5063,7 @@
             <a:fld id="{B61BEF0D-F0BB-DE4B-95CE-6DB70DBA9567}" type="datetimeFigureOut">
               <a:rPr lang="en-US" dirty="0"/>
               <a:pPr/>
-              <a:t>11/12/2018</a:t>
+              <a:t>11/19/2018</a:t>
             </a:fld>
             <a:endParaRPr lang="en-US" dirty="0"/>
           </a:p>
@@ -5274,7 +5274,7 @@
             <a:fld id="{B61BEF0D-F0BB-DE4B-95CE-6DB70DBA9567}" type="datetimeFigureOut">
               <a:rPr lang="en-US" dirty="0"/>
               <a:pPr/>
-              <a:t>11/12/2018</a:t>
+              <a:t>11/19/2018</a:t>
             </a:fld>
             <a:endParaRPr lang="en-US" dirty="0"/>
           </a:p>
@@ -5842,10 +5842,9 @@
               <a:rPr lang="nl-NL" dirty="0"/>
             </a:br>
             <a:r>
-              <a:rPr lang="nl-NL" dirty="0" err="1"/>
-              <a:t>obama</a:t>
-            </a:r>
-            <a:endParaRPr lang="nl-NL" dirty="0"/>
+              <a:rPr lang="nl-NL" dirty="0"/>
+              <a:t>STEVEN. H</a:t>
+            </a:r>
           </a:p>
         </p:txBody>
       </p:sp>
@@ -5993,7 +5992,16 @@
           <a:bodyPr/>
           <a:lstStyle/>
           <a:p>
-            <a:endParaRPr lang="nl-NL"/>
+            <a:r>
+              <a:rPr lang="nl-NL" dirty="0"/>
+              <a:t>Tips?</a:t>
+            </a:r>
+          </a:p>
+          <a:p>
+            <a:r>
+              <a:rPr lang="nl-NL" dirty="0"/>
+              <a:t>Tops?</a:t>
+            </a:r>
           </a:p>
         </p:txBody>
       </p:sp>
@@ -6007,13 +6015,13 @@
   <p:clrMapOvr>
     <a:masterClrMapping/>
   </p:clrMapOvr>
-  <mc:AlternateContent xmlns:mc="http://schemas.openxmlformats.org/markup-compatibility/2006">
-    <mc:Choice xmlns:p14="http://schemas.microsoft.com/office/powerpoint/2010/main" Requires="p14">
+  <mc:AlternateContent xmlns:mc="http://schemas.openxmlformats.org/markup-compatibility/2006" xmlns:p14="http://schemas.microsoft.com/office/powerpoint/2010/main">
+    <mc:Choice Requires="p14">
       <p:transition spd="slow" p14:dur="3900">
         <p14:glitter dir="d" pattern="hexagon"/>
       </p:transition>
     </mc:Choice>
-    <mc:Fallback>
+    <mc:Fallback xmlns="">
       <p:transition spd="slow">
         <p:fade/>
       </p:transition>
@@ -6097,7 +6105,7 @@
             </a:pPr>
             <a:r>
               <a:rPr lang="nl-NL" dirty="0"/>
-              <a:t> Martin Luther King</a:t>
+              <a:t>Martin Luther King</a:t>
             </a:r>
           </a:p>
           <a:p>
@@ -6106,7 +6114,7 @@
             </a:pPr>
             <a:r>
               <a:rPr lang="nl-NL" dirty="0"/>
-              <a:t>Gandhi</a:t>
+              <a:t>Steven Hawking</a:t>
             </a:r>
           </a:p>
           <a:p>
@@ -6114,9 +6122,10 @@
               <a:buNone/>
             </a:pPr>
             <a:r>
-              <a:rPr lang="nl-NL" dirty="0"/>
-              <a:t>Obama </a:t>
-            </a:r>
+              <a:rPr lang="nl-NL" dirty="0" err="1"/>
+              <a:t>Gandi</a:t>
+            </a:r>
+            <a:endParaRPr lang="nl-NL" dirty="0"/>
           </a:p>
           <a:p>
             <a:pPr marL="0" indent="0">
@@ -6143,7 +6152,7 @@
             </a:pPr>
             <a:r>
               <a:rPr lang="nl-NL" dirty="0"/>
-              <a:t>einde</a:t>
+              <a:t>Einde</a:t>
             </a:r>
           </a:p>
         </p:txBody>
@@ -6245,23 +6254,15 @@
           <a:p>
             <a:r>
               <a:rPr lang="nl-NL" dirty="0"/>
-              <a:t>Martin was bekend om zijn </a:t>
+              <a:t>Martin was bekend om zijn uitspraken: “i have a </a:t>
             </a:r>
             <a:r>
               <a:rPr lang="nl-NL" dirty="0" err="1"/>
-              <a:t>uitspraken:i</a:t>
+              <a:t>dream</a:t>
             </a:r>
             <a:r>
               <a:rPr lang="nl-NL" dirty="0"/>
-              <a:t> have a </a:t>
-            </a:r>
-            <a:r>
-              <a:rPr lang="nl-NL" dirty="0" err="1"/>
-              <a:t>draem</a:t>
-            </a:r>
-            <a:r>
-              <a:rPr lang="nl-NL" dirty="0"/>
-              <a:t> </a:t>
+              <a:t>” </a:t>
             </a:r>
           </a:p>
         </p:txBody>
@@ -6276,13 +6277,13 @@
   <p:clrMapOvr>
     <a:masterClrMapping/>
   </p:clrMapOvr>
-  <mc:AlternateContent xmlns:mc="http://schemas.openxmlformats.org/markup-compatibility/2006">
-    <mc:Choice xmlns:p15="http://schemas.microsoft.com/office/powerpoint/2012/main" Requires="p15">
+  <mc:AlternateContent xmlns:mc="http://schemas.openxmlformats.org/markup-compatibility/2006" xmlns:p15="http://schemas.microsoft.com/office/powerpoint/2012/main">
+    <mc:Choice Requires="p15">
       <p:transition xmlns:p14="http://schemas.microsoft.com/office/powerpoint/2010/main" spd="slow" p14:dur="3250">
         <p15:prstTrans prst="origami"/>
       </p:transition>
     </mc:Choice>
-    <mc:Fallback>
+    <mc:Fallback xmlns="">
       <p:transition spd="slow">
         <p:fade/>
       </p:transition>
@@ -6335,7 +6336,7 @@
             </a:r>
             <a:r>
               <a:rPr lang="nl-NL" dirty="0" err="1"/>
-              <a:t>marthin</a:t>
+              <a:t>martin</a:t>
             </a:r>
             <a:r>
               <a:rPr lang="nl-NL" dirty="0"/>
@@ -6416,13 +6417,13 @@
   <p:clrMapOvr>
     <a:masterClrMapping/>
   </p:clrMapOvr>
-  <mc:AlternateContent xmlns:mc="http://schemas.openxmlformats.org/markup-compatibility/2006">
-    <mc:Choice xmlns:p14="http://schemas.microsoft.com/office/powerpoint/2010/main" Requires="p14">
+  <mc:AlternateContent xmlns:mc="http://schemas.openxmlformats.org/markup-compatibility/2006" xmlns:p14="http://schemas.microsoft.com/office/powerpoint/2010/main">
+    <mc:Choice Requires="p14">
       <p:transition spd="slow" p14:dur="3000">
         <p14:shred/>
       </p:transition>
     </mc:Choice>
-    <mc:Fallback>
+    <mc:Fallback xmlns="">
       <p:transition spd="slow">
         <p:fade/>
       </p:transition>
@@ -6500,13 +6501,8 @@
           <a:p>
             <a:r>
               <a:rPr lang="nl-NL" dirty="0"/>
-              <a:t>Word </a:t>
-            </a:r>
-            <a:r>
-              <a:rPr lang="nl-NL" dirty="0" err="1"/>
-              <a:t>vertet</a:t>
-            </a:r>
-            <a:endParaRPr lang="nl-NL" dirty="0"/>
+              <a:t>Word verteld</a:t>
+            </a:r>
           </a:p>
         </p:txBody>
       </p:sp>
@@ -6520,13 +6516,13 @@
   <p:clrMapOvr>
     <a:masterClrMapping/>
   </p:clrMapOvr>
-  <mc:AlternateContent xmlns:mc="http://schemas.openxmlformats.org/markup-compatibility/2006">
-    <mc:Choice xmlns:p14="http://schemas.microsoft.com/office/powerpoint/2010/main" Requires="p14">
+  <mc:AlternateContent xmlns:mc="http://schemas.openxmlformats.org/markup-compatibility/2006" xmlns:p14="http://schemas.microsoft.com/office/powerpoint/2010/main">
+    <mc:Choice Requires="p14">
       <p:transition spd="slow" p14:dur="1500">
         <p:newsflash/>
       </p:transition>
     </mc:Choice>
-    <mc:Fallback>
+    <mc:Fallback xmlns="">
       <p:transition spd="slow">
         <p:newsflash/>
       </p:transition>
@@ -6605,6 +6601,9 @@
           <a:bodyPr/>
           <a:lstStyle/>
           <a:p>
+            <a:pPr marL="0" indent="0">
+              <a:buNone/>
+            </a:pPr>
             <a:endParaRPr lang="nl-NL" dirty="0"/>
           </a:p>
         </p:txBody>
@@ -6619,13 +6618,13 @@
   <p:clrMapOvr>
     <a:masterClrMapping/>
   </p:clrMapOvr>
-  <mc:AlternateContent xmlns:mc="http://schemas.openxmlformats.org/markup-compatibility/2006">
-    <mc:Choice xmlns:p14="http://schemas.microsoft.com/office/powerpoint/2010/main" Requires="p14">
+  <mc:AlternateContent xmlns:mc="http://schemas.openxmlformats.org/markup-compatibility/2006" xmlns:p14="http://schemas.microsoft.com/office/powerpoint/2010/main">
+    <mc:Choice Requires="p14">
       <p:transition spd="slow" p14:dur="4000">
         <p14:vortex/>
       </p:transition>
     </mc:Choice>
-    <mc:Fallback>
+    <mc:Fallback xmlns="">
       <p:transition spd="slow">
         <p:fade/>
       </p:transition>
@@ -6673,10 +6672,9 @@
           <a:lstStyle/>
           <a:p>
             <a:r>
-              <a:rPr lang="nl-NL" dirty="0" err="1"/>
-              <a:t>obama</a:t>
-            </a:r>
-            <a:endParaRPr lang="nl-NL" dirty="0"/>
+              <a:rPr lang="nl-NL" dirty="0"/>
+              <a:t>Steven hawking</a:t>
+            </a:r>
           </a:p>
         </p:txBody>
       </p:sp>
@@ -6721,13 +6719,13 @@
   <p:clrMapOvr>
     <a:masterClrMapping/>
   </p:clrMapOvr>
-  <mc:AlternateContent xmlns:mc="http://schemas.openxmlformats.org/markup-compatibility/2006">
-    <mc:Choice xmlns:p15="http://schemas.microsoft.com/office/powerpoint/2012/main" Requires="p15">
+  <mc:AlternateContent xmlns:mc="http://schemas.openxmlformats.org/markup-compatibility/2006" xmlns:p15="http://schemas.microsoft.com/office/powerpoint/2012/main">
+    <mc:Choice Requires="p15">
       <p:transition xmlns:p14="http://schemas.microsoft.com/office/powerpoint/2010/main" spd="slow" p14:dur="1250">
         <p15:prstTrans prst="airplane" invX="1"/>
       </p:transition>
     </mc:Choice>
-    <mc:Fallback>
+    <mc:Fallback xmlns="">
       <p:transition spd="slow">
         <p:fade/>
       </p:transition>
@@ -6826,13 +6824,13 @@
   <p:clrMapOvr>
     <a:masterClrMapping/>
   </p:clrMapOvr>
-  <mc:AlternateContent xmlns:mc="http://schemas.openxmlformats.org/markup-compatibility/2006">
-    <mc:Choice xmlns:p14="http://schemas.microsoft.com/office/powerpoint/2010/main" Requires="p14">
+  <mc:AlternateContent xmlns:mc="http://schemas.openxmlformats.org/markup-compatibility/2006" xmlns:p14="http://schemas.microsoft.com/office/powerpoint/2010/main">
+    <mc:Choice Requires="p14">
       <p:transition spd="slow" p14:dur="1400">
         <p:blinds/>
       </p:transition>
     </mc:Choice>
-    <mc:Fallback>
+    <mc:Fallback xmlns="">
       <p:transition spd="slow">
         <p:blinds/>
       </p:transition>
@@ -6921,13 +6919,13 @@
   <p:clrMapOvr>
     <a:masterClrMapping/>
   </p:clrMapOvr>
-  <mc:AlternateContent xmlns:mc="http://schemas.openxmlformats.org/markup-compatibility/2006">
-    <mc:Choice xmlns:p14="http://schemas.microsoft.com/office/powerpoint/2010/main" Requires="p14">
+  <mc:AlternateContent xmlns:mc="http://schemas.openxmlformats.org/markup-compatibility/2006" xmlns:p14="http://schemas.microsoft.com/office/powerpoint/2010/main">
+    <mc:Choice Requires="p14">
       <p:transition spd="slow" p14:dur="2500">
         <p:checker/>
       </p:transition>
     </mc:Choice>
-    <mc:Fallback>
+    <mc:Fallback xmlns="">
       <p:transition spd="slow">
         <p:checker/>
       </p:transition>
